--- a/Python/RNN Deep Learning.pptx
+++ b/Python/RNN Deep Learning.pptx
@@ -269,7 +269,7 @@
           <a:p>
             <a:fld id="{49DC8FA1-DEE5-554C-93B2-6A80EF67B0CD}" type="datetimeFigureOut">
               <a:rPr lang="en-US" smtClean="0"/>
-              <a:t>6/3/21</a:t>
+              <a:t>6/30/21</a:t>
             </a:fld>
             <a:endParaRPr lang="en-US"/>
           </a:p>
@@ -4194,14 +4194,14 @@
           </a:ln>
           <a:extLst>
             <a:ext uri="{909E8E84-426E-40dd-AFC4-6F175D3DCCD1}">
-              <a14:hiddenFill xmlns:a14="http://schemas.microsoft.com/office/drawing/2010/main" xmlns="">
+              <a14:hiddenFill xmlns="" xmlns:a14="http://schemas.microsoft.com/office/drawing/2010/main">
                 <a:solidFill>
                   <a:srgbClr val="FFFFFF"/>
                 </a:solidFill>
               </a14:hiddenFill>
             </a:ext>
             <a:ext uri="{91240B29-F687-4f45-9708-019B960494DF}">
-              <a14:hiddenLine xmlns:a14="http://schemas.microsoft.com/office/drawing/2010/main" xmlns="" w="9525">
+              <a14:hiddenLine xmlns="" xmlns:a14="http://schemas.microsoft.com/office/drawing/2010/main" w="9525">
                 <a:solidFill>
                   <a:srgbClr val="000000"/>
                 </a:solidFill>
@@ -4211,7 +4211,7 @@
               </a14:hiddenLine>
             </a:ext>
             <a:ext uri="{FAA26D3D-D897-4be2-8F04-BA451C77F1D7}">
-              <ma14:placeholderFlag xmlns:ma14="http://schemas.microsoft.com/office/mac/drawingml/2011/main" xmlns="" val="1"/>
+              <ma14:placeholderFlag xmlns="" xmlns:ma14="http://schemas.microsoft.com/office/mac/drawingml/2011/main" val="1"/>
             </a:ext>
           </a:extLst>
         </p:spPr>
@@ -4447,8 +4447,8 @@
           </a:p>
         </p:txBody>
       </p:sp>
-      <mc:AlternateContent xmlns:mc="http://schemas.openxmlformats.org/markup-compatibility/2006">
-        <mc:Choice xmlns:a14="http://schemas.microsoft.com/office/drawing/2010/main" Requires="a14">
+      <mc:AlternateContent xmlns:mc="http://schemas.openxmlformats.org/markup-compatibility/2006" xmlns:a14="http://schemas.microsoft.com/office/drawing/2010/main">
+        <mc:Choice Requires="a14">
           <p:sp>
             <p:nvSpPr>
               <p:cNvPr id="3" name="Marcador de contenido 2">
@@ -4785,7 +4785,7 @@
             </p:txBody>
           </p:sp>
         </mc:Choice>
-        <mc:Fallback>
+        <mc:Fallback xmlns="">
           <p:sp>
             <p:nvSpPr>
               <p:cNvPr id="3" name="Marcador de contenido 2">
@@ -5711,7 +5711,27 @@
                 <a:latin typeface="Myriad Pro" panose="020B0503030403020204" pitchFamily="34" charset="0"/>
                 <a:ea typeface="ＭＳ Ｐゴシック" panose="020B0600070205080204" pitchFamily="34" charset="-128"/>
               </a:rPr>
-              <a:t>Las RNN (Recurrent Neural Network) son muy efectivas para </a:t>
+              <a:t>Las RNN (</a:t>
+            </a:r>
+            <a:r>
+              <a:rPr lang="es-CR" sz="1600" dirty="0" err="1">
+                <a:solidFill>
+                  <a:srgbClr val="595959"/>
+                </a:solidFill>
+                <a:latin typeface="Myriad Pro" panose="020B0503030403020204" pitchFamily="34" charset="0"/>
+                <a:ea typeface="ＭＳ Ｐゴシック" panose="020B0600070205080204" pitchFamily="34" charset="-128"/>
+              </a:rPr>
+              <a:t>Recurrent</a:t>
+            </a:r>
+            <a:r>
+              <a:rPr lang="es-CR" sz="1600" dirty="0">
+                <a:solidFill>
+                  <a:srgbClr val="595959"/>
+                </a:solidFill>
+                <a:latin typeface="Myriad Pro" panose="020B0503030403020204" pitchFamily="34" charset="0"/>
+                <a:ea typeface="ＭＳ Ｐゴシック" panose="020B0600070205080204" pitchFamily="34" charset="-128"/>
+              </a:rPr>
+              <a:t> Neural Network) son muy efectivas para </a:t>
             </a:r>
             <a:r>
               <a:rPr lang="es-CR" sz="1600" b="1" dirty="0">
@@ -5842,7 +5862,7 @@
               <a:t> en el nombre de esta red neuronal proviene del hecho de que tiene conexiones </a:t>
             </a:r>
             <a:r>
-              <a:rPr lang="es-CR" sz="1600" i="1" dirty="0">
+              <a:rPr lang="es-CR" sz="1600" b="1" i="1" dirty="0">
                 <a:solidFill>
                   <a:srgbClr val="595959"/>
                 </a:solidFill>
@@ -6753,25 +6773,7 @@
                     </a:solidFill>
                     <a:latin typeface="Myriad Pro" panose="020B0503030403020204" pitchFamily="34" charset="0"/>
                   </a:rPr>
-                  <a:t>Las CNN se caracterizan por la </a:t>
-                </a:r>
-                <a:r>
-                  <a:rPr lang="es-CR" sz="1600" b="1" dirty="0">
-                    <a:solidFill>
-                      <a:srgbClr val="595959"/>
-                    </a:solidFill>
-                    <a:latin typeface="Myriad Pro" panose="020B0503030403020204" pitchFamily="34" charset="0"/>
-                  </a:rPr>
-                  <a:t>convolución</a:t>
-                </a:r>
-                <a:r>
-                  <a:rPr lang="es-CR" sz="1600" dirty="0">
-                    <a:solidFill>
-                      <a:srgbClr val="595959"/>
-                    </a:solidFill>
-                    <a:latin typeface="Myriad Pro" panose="020B0503030403020204" pitchFamily="34" charset="0"/>
-                  </a:rPr>
-                  <a:t> de los núcleos a través del mapa de características de entrada, por otra parte la salida de la RNN es una función </a:t>
+                  <a:t>Las CNN se caracterizan por la convolución de los núcleos a través del mapa de características de entrada, por otra parte la salida de la RNN es una función </a:t>
                 </a:r>
                 <a:r>
                   <a:rPr lang="es-CR" sz="1600" b="1" dirty="0">
@@ -7065,11 +7067,12 @@
                   <a:t>En esta ecuación, </a:t>
                 </a:r>
                 <a:r>
-                  <a:rPr lang="es-CR" sz="1600" dirty="0">
+                  <a:rPr lang="es-CR" sz="1600" i="1" dirty="0">
                     <a:solidFill>
                       <a:srgbClr val="595959"/>
                     </a:solidFill>
                     <a:latin typeface="Palatino Linotype" panose="02040502050505030304" pitchFamily="18" charset="0"/>
+                    <a:ea typeface="Cambria Math" panose="02040503050406030204" pitchFamily="18" charset="0"/>
                   </a:rPr>
                   <a:t>b</a:t>
                 </a:r>
@@ -8123,8 +8126,8 @@
           </a:prstGeom>
         </p:spPr>
       </p:pic>
-      <mc:AlternateContent xmlns:mc="http://schemas.openxmlformats.org/markup-compatibility/2006">
-        <mc:Choice xmlns:a14="http://schemas.microsoft.com/office/drawing/2010/main" Requires="a14">
+      <mc:AlternateContent xmlns:mc="http://schemas.openxmlformats.org/markup-compatibility/2006" xmlns:a14="http://schemas.microsoft.com/office/drawing/2010/main">
+        <mc:Choice Requires="a14">
           <p:sp>
             <p:nvSpPr>
               <p:cNvPr id="25" name="CuadroTexto 24">
@@ -8153,6 +8156,7 @@
               </a:bodyPr>
               <a:lstStyle/>
               <a:p>
+                <a:pPr/>
                 <a14:m>
                   <m:oMathPara xmlns:m="http://schemas.openxmlformats.org/officeDocument/2006/math">
                     <m:oMathParaPr>
@@ -8174,7 +8178,7 @@
             </p:txBody>
           </p:sp>
         </mc:Choice>
-        <mc:Fallback>
+        <mc:Fallback xmlns="">
           <p:sp>
             <p:nvSpPr>
               <p:cNvPr id="25" name="CuadroTexto 24">
@@ -8430,10 +8434,20 @@
                 <a:latin typeface="Myriad Pro" panose="020B0503030403020204" pitchFamily="34" charset="0"/>
                 <a:ea typeface="ＭＳ Ｐゴシック" panose="020B0600070205080204" pitchFamily="34" charset="-128"/>
               </a:rPr>
-              <a:t>) a la salida. Como sabemos, </a:t>
-            </a:r>
-            <a:r>
-              <a:rPr lang="es-CR" sz="2000" dirty="0">
+              <a:t>) a la salida</a:t>
+            </a:r>
+            <a:r>
+              <a:rPr lang="es-CR" sz="2000">
+                <a:solidFill>
+                  <a:srgbClr val="595959"/>
+                </a:solidFill>
+                <a:latin typeface="Myriad Pro" panose="020B0503030403020204" pitchFamily="34" charset="0"/>
+                <a:ea typeface="ＭＳ Ｐゴシック" panose="020B0600070205080204" pitchFamily="34" charset="-128"/>
+              </a:rPr>
+              <a:t>. </a:t>
+            </a:r>
+            <a:r>
+              <a:rPr lang="es-CR" sz="2000">
                 <a:solidFill>
                   <a:srgbClr val="595959"/>
                 </a:solidFill>
@@ -8443,14 +8457,24 @@
               <a:t>W</a:t>
             </a:r>
             <a:r>
-              <a:rPr lang="es-CR" sz="2000" dirty="0">
+              <a:rPr lang="es-CR" sz="2000">
                 <a:solidFill>
                   <a:srgbClr val="595959"/>
                 </a:solidFill>
                 <a:latin typeface="Myriad Pro" panose="020B0503030403020204" pitchFamily="34" charset="0"/>
                 <a:ea typeface="ＭＳ Ｐゴシック" panose="020B0600070205080204" pitchFamily="34" charset="-128"/>
               </a:rPr>
-              <a:t> es constante en toda la red, por lo que debemos retroceder hasta el paso de tiempo inicial para actualizarlo.</a:t>
+              <a:t> </a:t>
+            </a:r>
+            <a:r>
+              <a:rPr lang="es-CR" sz="2000" dirty="0">
+                <a:solidFill>
+                  <a:srgbClr val="595959"/>
+                </a:solidFill>
+                <a:latin typeface="Myriad Pro" panose="020B0503030403020204" pitchFamily="34" charset="0"/>
+                <a:ea typeface="ＭＳ Ｐゴシック" panose="020B0600070205080204" pitchFamily="34" charset="-128"/>
+              </a:rPr>
+              <a:t>es constante en toda la red, por lo que debemos retroceder hasta el paso de tiempo inicial para actualizarlo.</a:t>
             </a:r>
           </a:p>
         </p:txBody>
@@ -9114,21 +9138,21 @@
 </file>
 
 <file path=customXml/item1.xml><?xml version="1.0" encoding="utf-8"?>
+<p:properties xmlns:p="http://schemas.microsoft.com/office/2006/metadata/properties" xmlns:xsi="http://www.w3.org/2001/XMLSchema-instance" xmlns:pc="http://schemas.microsoft.com/office/infopath/2007/PartnerControls">
+  <documentManagement>
+    <_Version xmlns="http://schemas.microsoft.com/sharepoint/v3/fields" xsi:nil="true"/>
+    <_Status xmlns="http://schemas.microsoft.com/sharepoint/v3/fields">Not Started</_Status>
+  </documentManagement>
+</p:properties>
+</file>
+
+<file path=customXml/item2.xml><?xml version="1.0" encoding="utf-8"?>
 <?mso-contentType ?>
 <FormTemplates xmlns="http://schemas.microsoft.com/sharepoint/v3/contenttype/forms">
   <Display>DocumentLibraryForm</Display>
   <Edit>DocumentLibraryForm</Edit>
   <New>DocumentLibraryForm</New>
 </FormTemplates>
-</file>
-
-<file path=customXml/item2.xml><?xml version="1.0" encoding="utf-8"?>
-<p:properties xmlns:p="http://schemas.microsoft.com/office/2006/metadata/properties" xmlns:xsi="http://www.w3.org/2001/XMLSchema-instance" xmlns:pc="http://schemas.microsoft.com/office/infopath/2007/PartnerControls">
-  <documentManagement>
-    <_Version xmlns="http://schemas.microsoft.com/sharepoint/v3/fields" xsi:nil="true"/>
-    <_Status xmlns="http://schemas.microsoft.com/sharepoint/v3/fields">Not Started</_Status>
-  </documentManagement>
-</p:properties>
 </file>
 
 <file path=customXml/item3.xml><?xml version="1.0" encoding="utf-8"?>
@@ -9276,19 +9300,19 @@
 </file>
 
 <file path=customXml/itemProps1.xml><?xml version="1.0" encoding="utf-8"?>
-<ds:datastoreItem xmlns:ds="http://schemas.openxmlformats.org/officeDocument/2006/customXml" ds:itemID="{87D2A1B0-FF3E-4009-940D-AED0EB70AA20}">
+<ds:datastoreItem xmlns:ds="http://schemas.openxmlformats.org/officeDocument/2006/customXml" ds:itemID="{7B6F2769-7194-4217-93D3-3AF3A4742282}">
   <ds:schemaRefs>
-    <ds:schemaRef ds:uri="http://schemas.microsoft.com/sharepoint/v3/contenttype/forms"/>
+    <ds:schemaRef ds:uri="http://schemas.microsoft.com/office/2006/metadata/properties"/>
+    <ds:schemaRef ds:uri="http://schemas.microsoft.com/office/infopath/2007/PartnerControls"/>
+    <ds:schemaRef ds:uri="http://schemas.microsoft.com/sharepoint/v3/fields"/>
   </ds:schemaRefs>
 </ds:datastoreItem>
 </file>
 
 <file path=customXml/itemProps2.xml><?xml version="1.0" encoding="utf-8"?>
-<ds:datastoreItem xmlns:ds="http://schemas.openxmlformats.org/officeDocument/2006/customXml" ds:itemID="{7B6F2769-7194-4217-93D3-3AF3A4742282}">
+<ds:datastoreItem xmlns:ds="http://schemas.openxmlformats.org/officeDocument/2006/customXml" ds:itemID="{87D2A1B0-FF3E-4009-940D-AED0EB70AA20}">
   <ds:schemaRefs>
-    <ds:schemaRef ds:uri="http://schemas.microsoft.com/office/2006/metadata/properties"/>
-    <ds:schemaRef ds:uri="http://schemas.microsoft.com/office/infopath/2007/PartnerControls"/>
-    <ds:schemaRef ds:uri="http://schemas.microsoft.com/sharepoint/v3/fields"/>
+    <ds:schemaRef ds:uri="http://schemas.microsoft.com/sharepoint/v3/contenttype/forms"/>
   </ds:schemaRefs>
 </ds:datastoreItem>
 </file>
